--- a/notes/fig.pptx
+++ b/notes/fig.pptx
@@ -5,10 +5,12 @@
     <p:sldMasterId id="2147483648" r:id="rId1"/>
   </p:sldMasterIdLst>
   <p:notesMasterIdLst>
-    <p:notesMasterId r:id="rId3"/>
+    <p:notesMasterId r:id="rId5"/>
   </p:notesMasterIdLst>
   <p:sldIdLst>
     <p:sldId id="256" r:id="rId2"/>
+    <p:sldId id="257" r:id="rId3"/>
+    <p:sldId id="258" r:id="rId4"/>
   </p:sldIdLst>
   <p:sldSz cx="12192000" cy="6858000"/>
   <p:notesSz cx="6858000" cy="9144000"/>
@@ -107,6 +109,11 @@
       </a:defRPr>
     </a:lvl9pPr>
   </p:defaultTextStyle>
+  <p:extLst>
+    <p:ext uri="{EFAFB233-063F-42B5-8137-9DF3F51BA10A}">
+      <p15:sldGuideLst xmlns:p15="http://schemas.microsoft.com/office/powerpoint/2012/main"/>
+    </p:ext>
+  </p:extLst>
 </p:presentation>
 </file>
 
@@ -192,7 +199,7 @@
           <a:p>
             <a:fld id="{60A1D18A-5CAA-4E4A-A2FB-2F61EF6CF994}" type="datetimeFigureOut">
               <a:rPr kumimoji="1" lang="ja-JP" altLang="en-US" smtClean="0"/>
-              <a:t>2024/11/18</a:t>
+              <a:t>2024/11/29</a:t>
             </a:fld>
             <a:endParaRPr kumimoji="1" lang="ja-JP" altLang="en-US"/>
           </a:p>
@@ -722,7 +729,7 @@
           <a:p>
             <a:fld id="{2BECF010-E1FA-DA4E-8CF5-FC28C8214122}" type="datetimeFigureOut">
               <a:rPr kumimoji="1" lang="ja-JP" altLang="en-US" smtClean="0"/>
-              <a:t>2024/11/18</a:t>
+              <a:t>2024/11/29</a:t>
             </a:fld>
             <a:endParaRPr kumimoji="1" lang="ja-JP" altLang="en-US"/>
           </a:p>
@@ -952,7 +959,7 @@
           <a:p>
             <a:fld id="{2BECF010-E1FA-DA4E-8CF5-FC28C8214122}" type="datetimeFigureOut">
               <a:rPr kumimoji="1" lang="ja-JP" altLang="en-US" smtClean="0"/>
-              <a:t>2024/11/18</a:t>
+              <a:t>2024/11/29</a:t>
             </a:fld>
             <a:endParaRPr kumimoji="1" lang="ja-JP" altLang="en-US"/>
           </a:p>
@@ -1192,7 +1199,7 @@
           <a:p>
             <a:fld id="{2BECF010-E1FA-DA4E-8CF5-FC28C8214122}" type="datetimeFigureOut">
               <a:rPr kumimoji="1" lang="ja-JP" altLang="en-US" smtClean="0"/>
-              <a:t>2024/11/18</a:t>
+              <a:t>2024/11/29</a:t>
             </a:fld>
             <a:endParaRPr kumimoji="1" lang="ja-JP" altLang="en-US"/>
           </a:p>
@@ -1422,7 +1429,7 @@
           <a:p>
             <a:fld id="{2BECF010-E1FA-DA4E-8CF5-FC28C8214122}" type="datetimeFigureOut">
               <a:rPr kumimoji="1" lang="ja-JP" altLang="en-US" smtClean="0"/>
-              <a:t>2024/11/18</a:t>
+              <a:t>2024/11/29</a:t>
             </a:fld>
             <a:endParaRPr kumimoji="1" lang="ja-JP" altLang="en-US"/>
           </a:p>
@@ -1697,7 +1704,7 @@
           <a:p>
             <a:fld id="{2BECF010-E1FA-DA4E-8CF5-FC28C8214122}" type="datetimeFigureOut">
               <a:rPr kumimoji="1" lang="ja-JP" altLang="en-US" smtClean="0"/>
-              <a:t>2024/11/18</a:t>
+              <a:t>2024/11/29</a:t>
             </a:fld>
             <a:endParaRPr kumimoji="1" lang="ja-JP" altLang="en-US"/>
           </a:p>
@@ -2026,7 +2033,7 @@
           <a:p>
             <a:fld id="{2BECF010-E1FA-DA4E-8CF5-FC28C8214122}" type="datetimeFigureOut">
               <a:rPr kumimoji="1" lang="ja-JP" altLang="en-US" smtClean="0"/>
-              <a:t>2024/11/18</a:t>
+              <a:t>2024/11/29</a:t>
             </a:fld>
             <a:endParaRPr kumimoji="1" lang="ja-JP" altLang="en-US"/>
           </a:p>
@@ -2502,7 +2509,7 @@
           <a:p>
             <a:fld id="{2BECF010-E1FA-DA4E-8CF5-FC28C8214122}" type="datetimeFigureOut">
               <a:rPr kumimoji="1" lang="ja-JP" altLang="en-US" smtClean="0"/>
-              <a:t>2024/11/18</a:t>
+              <a:t>2024/11/29</a:t>
             </a:fld>
             <a:endParaRPr kumimoji="1" lang="ja-JP" altLang="en-US"/>
           </a:p>
@@ -2643,7 +2650,7 @@
           <a:p>
             <a:fld id="{2BECF010-E1FA-DA4E-8CF5-FC28C8214122}" type="datetimeFigureOut">
               <a:rPr kumimoji="1" lang="ja-JP" altLang="en-US" smtClean="0"/>
-              <a:t>2024/11/18</a:t>
+              <a:t>2024/11/29</a:t>
             </a:fld>
             <a:endParaRPr kumimoji="1" lang="ja-JP" altLang="en-US"/>
           </a:p>
@@ -2756,7 +2763,7 @@
           <a:p>
             <a:fld id="{2BECF010-E1FA-DA4E-8CF5-FC28C8214122}" type="datetimeFigureOut">
               <a:rPr kumimoji="1" lang="ja-JP" altLang="en-US" smtClean="0"/>
-              <a:t>2024/11/18</a:t>
+              <a:t>2024/11/29</a:t>
             </a:fld>
             <a:endParaRPr kumimoji="1" lang="ja-JP" altLang="en-US"/>
           </a:p>
@@ -3099,7 +3106,7 @@
           <a:p>
             <a:fld id="{2BECF010-E1FA-DA4E-8CF5-FC28C8214122}" type="datetimeFigureOut">
               <a:rPr kumimoji="1" lang="ja-JP" altLang="en-US" smtClean="0"/>
-              <a:t>2024/11/18</a:t>
+              <a:t>2024/11/29</a:t>
             </a:fld>
             <a:endParaRPr kumimoji="1" lang="ja-JP" altLang="en-US"/>
           </a:p>
@@ -3387,7 +3394,7 @@
           <a:p>
             <a:fld id="{2BECF010-E1FA-DA4E-8CF5-FC28C8214122}" type="datetimeFigureOut">
               <a:rPr kumimoji="1" lang="ja-JP" altLang="en-US" smtClean="0"/>
-              <a:t>2024/11/18</a:t>
+              <a:t>2024/11/29</a:t>
             </a:fld>
             <a:endParaRPr kumimoji="1" lang="ja-JP" altLang="en-US"/>
           </a:p>
@@ -3660,7 +3667,7 @@
           <a:p>
             <a:fld id="{2BECF010-E1FA-DA4E-8CF5-FC28C8214122}" type="datetimeFigureOut">
               <a:rPr kumimoji="1" lang="ja-JP" altLang="en-US" smtClean="0"/>
-              <a:t>2024/11/18</a:t>
+              <a:t>2024/11/29</a:t>
             </a:fld>
             <a:endParaRPr kumimoji="1" lang="ja-JP" altLang="en-US"/>
           </a:p>
@@ -4421,6 +4428,1028 @@
     <p:extLst>
       <p:ext uri="{BB962C8B-B14F-4D97-AF65-F5344CB8AC3E}">
         <p14:creationId xmlns:p14="http://schemas.microsoft.com/office/powerpoint/2010/main" val="1263654068"/>
+      </p:ext>
+    </p:extLst>
+  </p:cSld>
+  <p:clrMapOvr>
+    <a:masterClrMapping/>
+  </p:clrMapOvr>
+</p:sld>
+</file>
+
+<file path=ppt/slides/slide2.xml><?xml version="1.0" encoding="utf-8"?>
+<p:sld xmlns:a="http://schemas.openxmlformats.org/drawingml/2006/main" xmlns:r="http://schemas.openxmlformats.org/officeDocument/2006/relationships" xmlns:p="http://schemas.openxmlformats.org/presentationml/2006/main">
+  <p:cSld>
+    <p:spTree>
+      <p:nvGrpSpPr>
+        <p:cNvPr id="1" name=""/>
+        <p:cNvGrpSpPr/>
+        <p:nvPr/>
+      </p:nvGrpSpPr>
+      <p:grpSpPr>
+        <a:xfrm>
+          <a:off x="0" y="0"/>
+          <a:ext cx="0" cy="0"/>
+          <a:chOff x="0" y="0"/>
+          <a:chExt cx="0" cy="0"/>
+        </a:xfrm>
+      </p:grpSpPr>
+      <p:pic>
+        <p:nvPicPr>
+          <p:cNvPr id="13" name="Picture 6" descr="空白の紙を持った女性のイラスト">
+            <a:extLst>
+              <a:ext uri="{FF2B5EF4-FFF2-40B4-BE49-F238E27FC236}">
+                <a16:creationId xmlns:a16="http://schemas.microsoft.com/office/drawing/2014/main" id="{B49B5FC4-5970-40CF-60C1-1795B9D141AA}"/>
+              </a:ext>
+            </a:extLst>
+          </p:cNvPr>
+          <p:cNvPicPr>
+            <a:picLocks noChangeAspect="1" noChangeArrowheads="1"/>
+          </p:cNvPicPr>
+          <p:nvPr/>
+        </p:nvPicPr>
+        <p:blipFill>
+          <a:blip r:embed="rId2">
+            <a:extLst>
+              <a:ext uri="{28A0092B-C50C-407E-A947-70E740481C1C}">
+                <a14:useLocalDpi xmlns:a14="http://schemas.microsoft.com/office/drawing/2010/main" val="0"/>
+              </a:ext>
+            </a:extLst>
+          </a:blip>
+          <a:srcRect/>
+          <a:stretch>
+            <a:fillRect/>
+          </a:stretch>
+        </p:blipFill>
+        <p:spPr bwMode="auto">
+          <a:xfrm>
+            <a:off x="2278792" y="1848708"/>
+            <a:ext cx="1986709" cy="2818027"/>
+          </a:xfrm>
+          <a:prstGeom prst="rect">
+            <a:avLst/>
+          </a:prstGeom>
+          <a:noFill/>
+          <a:extLst>
+            <a:ext uri="{909E8E84-426E-40DD-AFC4-6F175D3DCCD1}">
+              <a14:hiddenFill xmlns:a14="http://schemas.microsoft.com/office/drawing/2010/main">
+                <a:solidFill>
+                  <a:srgbClr val="FFFFFF"/>
+                </a:solidFill>
+              </a14:hiddenFill>
+            </a:ext>
+          </a:extLst>
+        </p:spPr>
+      </p:pic>
+      <p:sp>
+        <p:nvSpPr>
+          <p:cNvPr id="14" name="雲 13">
+            <a:extLst>
+              <a:ext uri="{FF2B5EF4-FFF2-40B4-BE49-F238E27FC236}">
+                <a16:creationId xmlns:a16="http://schemas.microsoft.com/office/drawing/2014/main" id="{61C71E7C-22D9-6832-D0A0-FDE8CB942099}"/>
+              </a:ext>
+            </a:extLst>
+          </p:cNvPr>
+          <p:cNvSpPr/>
+          <p:nvPr/>
+        </p:nvSpPr>
+        <p:spPr>
+          <a:xfrm>
+            <a:off x="5103606" y="960556"/>
+            <a:ext cx="1504950" cy="1504949"/>
+          </a:xfrm>
+          <a:prstGeom prst="cloud">
+            <a:avLst/>
+          </a:prstGeom>
+          <a:noFill/>
+          <a:ln>
+            <a:solidFill>
+              <a:schemeClr val="tx1"/>
+            </a:solidFill>
+          </a:ln>
+        </p:spPr>
+        <p:style>
+          <a:lnRef idx="2">
+            <a:schemeClr val="accent1">
+              <a:shade val="15000"/>
+            </a:schemeClr>
+          </a:lnRef>
+          <a:fillRef idx="1">
+            <a:schemeClr val="accent1"/>
+          </a:fillRef>
+          <a:effectRef idx="0">
+            <a:schemeClr val="accent1"/>
+          </a:effectRef>
+          <a:fontRef idx="minor">
+            <a:schemeClr val="lt1"/>
+          </a:fontRef>
+        </p:style>
+        <p:txBody>
+          <a:bodyPr rtlCol="0" anchor="ctr"/>
+          <a:lstStyle/>
+          <a:p>
+            <a:pPr algn="ctr"/>
+            <a:endParaRPr kumimoji="1" lang="ja-JP" altLang="en-US"/>
+          </a:p>
+        </p:txBody>
+      </p:sp>
+      <p:pic>
+        <p:nvPicPr>
+          <p:cNvPr id="15" name="図 14">
+            <a:extLst>
+              <a:ext uri="{FF2B5EF4-FFF2-40B4-BE49-F238E27FC236}">
+                <a16:creationId xmlns:a16="http://schemas.microsoft.com/office/drawing/2014/main" id="{B85830FA-34F5-7705-B9D7-262613C1AD51}"/>
+              </a:ext>
+            </a:extLst>
+          </p:cNvPr>
+          <p:cNvPicPr>
+            <a:picLocks noChangeAspect="1"/>
+          </p:cNvPicPr>
+          <p:nvPr/>
+        </p:nvPicPr>
+        <p:blipFill>
+          <a:blip r:embed="rId3"/>
+          <a:stretch>
+            <a:fillRect/>
+          </a:stretch>
+        </p:blipFill>
+        <p:spPr>
+          <a:xfrm>
+            <a:off x="2844289" y="2887361"/>
+            <a:ext cx="829954" cy="829954"/>
+          </a:xfrm>
+          <a:prstGeom prst="rect">
+            <a:avLst/>
+          </a:prstGeom>
+        </p:spPr>
+      </p:pic>
+      <p:pic>
+        <p:nvPicPr>
+          <p:cNvPr id="16" name="図 15" descr="黒い背景とぼやけた写真&#10;&#10;自動的に生成された説明">
+            <a:extLst>
+              <a:ext uri="{FF2B5EF4-FFF2-40B4-BE49-F238E27FC236}">
+                <a16:creationId xmlns:a16="http://schemas.microsoft.com/office/drawing/2014/main" id="{EA5E13EE-3A89-D3E8-7C7B-25723E4DB4E4}"/>
+              </a:ext>
+            </a:extLst>
+          </p:cNvPr>
+          <p:cNvPicPr>
+            <a:picLocks noChangeAspect="1"/>
+          </p:cNvPicPr>
+          <p:nvPr/>
+        </p:nvPicPr>
+        <p:blipFill>
+          <a:blip r:embed="rId4"/>
+          <a:stretch>
+            <a:fillRect/>
+          </a:stretch>
+        </p:blipFill>
+        <p:spPr>
+          <a:xfrm>
+            <a:off x="7744518" y="2549863"/>
+            <a:ext cx="1504949" cy="1504949"/>
+          </a:xfrm>
+          <a:prstGeom prst="rect">
+            <a:avLst/>
+          </a:prstGeom>
+        </p:spPr>
+      </p:pic>
+      <p:sp>
+        <p:nvSpPr>
+          <p:cNvPr id="17" name="右矢印 16">
+            <a:extLst>
+              <a:ext uri="{FF2B5EF4-FFF2-40B4-BE49-F238E27FC236}">
+                <a16:creationId xmlns:a16="http://schemas.microsoft.com/office/drawing/2014/main" id="{CA9084C4-9791-C0E9-B539-605DC64287BB}"/>
+              </a:ext>
+            </a:extLst>
+          </p:cNvPr>
+          <p:cNvSpPr/>
+          <p:nvPr/>
+        </p:nvSpPr>
+        <p:spPr>
+          <a:xfrm>
+            <a:off x="4414048" y="3024311"/>
+            <a:ext cx="689558" cy="556054"/>
+          </a:xfrm>
+          <a:prstGeom prst="rightArrow">
+            <a:avLst/>
+          </a:prstGeom>
+          <a:solidFill>
+            <a:srgbClr val="FF0000"/>
+          </a:solidFill>
+        </p:spPr>
+        <p:style>
+          <a:lnRef idx="2">
+            <a:schemeClr val="accent1">
+              <a:shade val="15000"/>
+            </a:schemeClr>
+          </a:lnRef>
+          <a:fillRef idx="1">
+            <a:schemeClr val="accent1"/>
+          </a:fillRef>
+          <a:effectRef idx="0">
+            <a:schemeClr val="accent1"/>
+          </a:effectRef>
+          <a:fontRef idx="minor">
+            <a:schemeClr val="lt1"/>
+          </a:fontRef>
+        </p:style>
+        <p:txBody>
+          <a:bodyPr rtlCol="0" anchor="ctr"/>
+          <a:lstStyle/>
+          <a:p>
+            <a:pPr algn="ctr"/>
+            <a:endParaRPr kumimoji="1" lang="ja-JP" altLang="en-US"/>
+          </a:p>
+        </p:txBody>
+      </p:sp>
+      <p:sp>
+        <p:nvSpPr>
+          <p:cNvPr id="18" name="右矢印 17">
+            <a:extLst>
+              <a:ext uri="{FF2B5EF4-FFF2-40B4-BE49-F238E27FC236}">
+                <a16:creationId xmlns:a16="http://schemas.microsoft.com/office/drawing/2014/main" id="{36279EB6-83E1-5A3A-9D1A-97576951861E}"/>
+              </a:ext>
+            </a:extLst>
+          </p:cNvPr>
+          <p:cNvSpPr/>
+          <p:nvPr/>
+        </p:nvSpPr>
+        <p:spPr>
+          <a:xfrm>
+            <a:off x="6678510" y="3026202"/>
+            <a:ext cx="689558" cy="556054"/>
+          </a:xfrm>
+          <a:prstGeom prst="rightArrow">
+            <a:avLst/>
+          </a:prstGeom>
+          <a:solidFill>
+            <a:srgbClr val="FF0000"/>
+          </a:solidFill>
+        </p:spPr>
+        <p:style>
+          <a:lnRef idx="2">
+            <a:schemeClr val="accent1">
+              <a:shade val="15000"/>
+            </a:schemeClr>
+          </a:lnRef>
+          <a:fillRef idx="1">
+            <a:schemeClr val="accent1"/>
+          </a:fillRef>
+          <a:effectRef idx="0">
+            <a:schemeClr val="accent1"/>
+          </a:effectRef>
+          <a:fontRef idx="minor">
+            <a:schemeClr val="lt1"/>
+          </a:fontRef>
+        </p:style>
+        <p:txBody>
+          <a:bodyPr rtlCol="0" anchor="ctr"/>
+          <a:lstStyle/>
+          <a:p>
+            <a:pPr algn="ctr"/>
+            <a:endParaRPr kumimoji="1" lang="ja-JP" altLang="en-US"/>
+          </a:p>
+        </p:txBody>
+      </p:sp>
+      <p:sp>
+        <p:nvSpPr>
+          <p:cNvPr id="19" name="テキスト ボックス 18">
+            <a:extLst>
+              <a:ext uri="{FF2B5EF4-FFF2-40B4-BE49-F238E27FC236}">
+                <a16:creationId xmlns:a16="http://schemas.microsoft.com/office/drawing/2014/main" id="{86B28767-611B-8EAD-5D40-B74C9254D5A8}"/>
+              </a:ext>
+            </a:extLst>
+          </p:cNvPr>
+          <p:cNvSpPr txBox="1"/>
+          <p:nvPr/>
+        </p:nvSpPr>
+        <p:spPr>
+          <a:xfrm>
+            <a:off x="5597145" y="1415094"/>
+            <a:ext cx="498855" cy="769441"/>
+          </a:xfrm>
+          <a:prstGeom prst="rect">
+            <a:avLst/>
+          </a:prstGeom>
+          <a:noFill/>
+        </p:spPr>
+        <p:txBody>
+          <a:bodyPr wrap="none" rtlCol="0">
+            <a:spAutoFit/>
+          </a:bodyPr>
+          <a:lstStyle/>
+          <a:p>
+            <a:r>
+              <a:rPr kumimoji="1" lang="en-US" altLang="ja-JP" sz="4400" dirty="0"/>
+              <a:t>9</a:t>
+            </a:r>
+            <a:endParaRPr kumimoji="1" lang="ja-JP" altLang="en-US" sz="4400"/>
+          </a:p>
+        </p:txBody>
+      </p:sp>
+      <p:pic>
+        <p:nvPicPr>
+          <p:cNvPr id="1026" name="Picture 2" descr="文章を書く人工知能のイラスト">
+            <a:extLst>
+              <a:ext uri="{FF2B5EF4-FFF2-40B4-BE49-F238E27FC236}">
+                <a16:creationId xmlns:a16="http://schemas.microsoft.com/office/drawing/2014/main" id="{77BE5AC8-D891-5DCA-C75C-AB5154CA4DA1}"/>
+              </a:ext>
+            </a:extLst>
+          </p:cNvPr>
+          <p:cNvPicPr>
+            <a:picLocks noChangeAspect="1" noChangeArrowheads="1"/>
+          </p:cNvPicPr>
+          <p:nvPr/>
+        </p:nvPicPr>
+        <p:blipFill>
+          <a:blip r:embed="rId5">
+            <a:extLst>
+              <a:ext uri="{28A0092B-C50C-407E-A947-70E740481C1C}">
+                <a14:useLocalDpi xmlns:a14="http://schemas.microsoft.com/office/drawing/2010/main" val="0"/>
+              </a:ext>
+            </a:extLst>
+          </a:blip>
+          <a:srcRect/>
+          <a:stretch>
+            <a:fillRect/>
+          </a:stretch>
+        </p:blipFill>
+        <p:spPr bwMode="auto">
+          <a:xfrm>
+            <a:off x="5033911" y="2669059"/>
+            <a:ext cx="1644340" cy="1827045"/>
+          </a:xfrm>
+          <a:prstGeom prst="rect">
+            <a:avLst/>
+          </a:prstGeom>
+          <a:noFill/>
+          <a:extLst>
+            <a:ext uri="{909E8E84-426E-40DD-AFC4-6F175D3DCCD1}">
+              <a14:hiddenFill xmlns:a14="http://schemas.microsoft.com/office/drawing/2010/main">
+                <a:solidFill>
+                  <a:srgbClr val="FFFFFF"/>
+                </a:solidFill>
+              </a14:hiddenFill>
+            </a:ext>
+          </a:extLst>
+        </p:spPr>
+      </p:pic>
+    </p:spTree>
+    <p:extLst>
+      <p:ext uri="{BB962C8B-B14F-4D97-AF65-F5344CB8AC3E}">
+        <p14:creationId xmlns:p14="http://schemas.microsoft.com/office/powerpoint/2010/main" val="2602365056"/>
+      </p:ext>
+    </p:extLst>
+  </p:cSld>
+  <p:clrMapOvr>
+    <a:masterClrMapping/>
+  </p:clrMapOvr>
+</p:sld>
+</file>
+
+<file path=ppt/slides/slide3.xml><?xml version="1.0" encoding="utf-8"?>
+<p:sld xmlns:a="http://schemas.openxmlformats.org/drawingml/2006/main" xmlns:r="http://schemas.openxmlformats.org/officeDocument/2006/relationships" xmlns:p="http://schemas.openxmlformats.org/presentationml/2006/main">
+  <p:cSld>
+    <p:spTree>
+      <p:nvGrpSpPr>
+        <p:cNvPr id="1" name=""/>
+        <p:cNvGrpSpPr/>
+        <p:nvPr/>
+      </p:nvGrpSpPr>
+      <p:grpSpPr>
+        <a:xfrm>
+          <a:off x="0" y="0"/>
+          <a:ext cx="0" cy="0"/>
+          <a:chOff x="0" y="0"/>
+          <a:chExt cx="0" cy="0"/>
+        </a:xfrm>
+      </p:grpSpPr>
+      <p:pic>
+        <p:nvPicPr>
+          <p:cNvPr id="2050" name="Picture 2">
+            <a:extLst>
+              <a:ext uri="{FF2B5EF4-FFF2-40B4-BE49-F238E27FC236}">
+                <a16:creationId xmlns:a16="http://schemas.microsoft.com/office/drawing/2014/main" id="{36519517-21B7-EAD6-E04B-89B9FB2B2613}"/>
+              </a:ext>
+            </a:extLst>
+          </p:cNvPr>
+          <p:cNvPicPr>
+            <a:picLocks noChangeAspect="1" noChangeArrowheads="1"/>
+          </p:cNvPicPr>
+          <p:nvPr/>
+        </p:nvPicPr>
+        <p:blipFill>
+          <a:blip r:embed="rId2">
+            <a:extLst>
+              <a:ext uri="{28A0092B-C50C-407E-A947-70E740481C1C}">
+                <a14:useLocalDpi xmlns:a14="http://schemas.microsoft.com/office/drawing/2010/main" val="0"/>
+              </a:ext>
+            </a:extLst>
+          </a:blip>
+          <a:srcRect/>
+          <a:stretch>
+            <a:fillRect/>
+          </a:stretch>
+        </p:blipFill>
+        <p:spPr bwMode="auto">
+          <a:xfrm>
+            <a:off x="586259" y="2823519"/>
+            <a:ext cx="1778000" cy="1778000"/>
+          </a:xfrm>
+          <a:prstGeom prst="rect">
+            <a:avLst/>
+          </a:prstGeom>
+          <a:noFill/>
+          <a:extLst>
+            <a:ext uri="{909E8E84-426E-40DD-AFC4-6F175D3DCCD1}">
+              <a14:hiddenFill xmlns:a14="http://schemas.microsoft.com/office/drawing/2010/main">
+                <a:solidFill>
+                  <a:srgbClr val="FFFFFF"/>
+                </a:solidFill>
+              </a14:hiddenFill>
+            </a:ext>
+          </a:extLst>
+        </p:spPr>
+      </p:pic>
+      <p:pic>
+        <p:nvPicPr>
+          <p:cNvPr id="2052" name="Picture 4" descr="人工知能・AIのイラスト">
+            <a:extLst>
+              <a:ext uri="{FF2B5EF4-FFF2-40B4-BE49-F238E27FC236}">
+                <a16:creationId xmlns:a16="http://schemas.microsoft.com/office/drawing/2014/main" id="{EAF3F466-F343-9B59-40B6-0E576F6B65C4}"/>
+              </a:ext>
+            </a:extLst>
+          </p:cNvPr>
+          <p:cNvPicPr>
+            <a:picLocks noChangeAspect="1" noChangeArrowheads="1"/>
+          </p:cNvPicPr>
+          <p:nvPr/>
+        </p:nvPicPr>
+        <p:blipFill>
+          <a:blip r:embed="rId3">
+            <a:extLst>
+              <a:ext uri="{28A0092B-C50C-407E-A947-70E740481C1C}">
+                <a14:useLocalDpi xmlns:a14="http://schemas.microsoft.com/office/drawing/2010/main" val="0"/>
+              </a:ext>
+            </a:extLst>
+          </a:blip>
+          <a:srcRect/>
+          <a:stretch>
+            <a:fillRect/>
+          </a:stretch>
+        </p:blipFill>
+        <p:spPr bwMode="auto">
+          <a:xfrm>
+            <a:off x="3412420" y="3028349"/>
+            <a:ext cx="1810633" cy="1579777"/>
+          </a:xfrm>
+          <a:prstGeom prst="rect">
+            <a:avLst/>
+          </a:prstGeom>
+          <a:noFill/>
+          <a:extLst>
+            <a:ext uri="{909E8E84-426E-40DD-AFC4-6F175D3DCCD1}">
+              <a14:hiddenFill xmlns:a14="http://schemas.microsoft.com/office/drawing/2010/main">
+                <a:solidFill>
+                  <a:srgbClr val="FFFFFF"/>
+                </a:solidFill>
+              </a14:hiddenFill>
+            </a:ext>
+          </a:extLst>
+        </p:spPr>
+      </p:pic>
+      <p:sp>
+        <p:nvSpPr>
+          <p:cNvPr id="5" name="右矢印 4">
+            <a:extLst>
+              <a:ext uri="{FF2B5EF4-FFF2-40B4-BE49-F238E27FC236}">
+                <a16:creationId xmlns:a16="http://schemas.microsoft.com/office/drawing/2014/main" id="{61138403-EEE8-630B-8239-05C40F5ED563}"/>
+              </a:ext>
+            </a:extLst>
+          </p:cNvPr>
+          <p:cNvSpPr/>
+          <p:nvPr/>
+        </p:nvSpPr>
+        <p:spPr>
+          <a:xfrm>
+            <a:off x="2634674" y="3540211"/>
+            <a:ext cx="689558" cy="556054"/>
+          </a:xfrm>
+          <a:prstGeom prst="rightArrow">
+            <a:avLst/>
+          </a:prstGeom>
+          <a:solidFill>
+            <a:srgbClr val="FF0000"/>
+          </a:solidFill>
+        </p:spPr>
+        <p:style>
+          <a:lnRef idx="2">
+            <a:schemeClr val="accent1">
+              <a:shade val="15000"/>
+            </a:schemeClr>
+          </a:lnRef>
+          <a:fillRef idx="1">
+            <a:schemeClr val="accent1"/>
+          </a:fillRef>
+          <a:effectRef idx="0">
+            <a:schemeClr val="accent1"/>
+          </a:effectRef>
+          <a:fontRef idx="minor">
+            <a:schemeClr val="lt1"/>
+          </a:fontRef>
+        </p:style>
+        <p:txBody>
+          <a:bodyPr rtlCol="0" anchor="ctr"/>
+          <a:lstStyle/>
+          <a:p>
+            <a:pPr algn="ctr"/>
+            <a:endParaRPr kumimoji="1" lang="ja-JP" altLang="en-US"/>
+          </a:p>
+        </p:txBody>
+      </p:sp>
+      <p:pic>
+        <p:nvPicPr>
+          <p:cNvPr id="2054" name="Picture 6">
+            <a:extLst>
+              <a:ext uri="{FF2B5EF4-FFF2-40B4-BE49-F238E27FC236}">
+                <a16:creationId xmlns:a16="http://schemas.microsoft.com/office/drawing/2014/main" id="{D71F245F-2B13-57F2-3989-1AF6A76C2D88}"/>
+              </a:ext>
+            </a:extLst>
+          </p:cNvPr>
+          <p:cNvPicPr>
+            <a:picLocks noChangeAspect="1" noChangeArrowheads="1"/>
+          </p:cNvPicPr>
+          <p:nvPr/>
+        </p:nvPicPr>
+        <p:blipFill>
+          <a:blip r:embed="rId4">
+            <a:extLst>
+              <a:ext uri="{28A0092B-C50C-407E-A947-70E740481C1C}">
+                <a14:useLocalDpi xmlns:a14="http://schemas.microsoft.com/office/drawing/2010/main" val="0"/>
+              </a:ext>
+            </a:extLst>
+          </a:blip>
+          <a:srcRect/>
+          <a:stretch>
+            <a:fillRect/>
+          </a:stretch>
+        </p:blipFill>
+        <p:spPr bwMode="auto">
+          <a:xfrm>
+            <a:off x="3559643" y="759015"/>
+            <a:ext cx="1390400" cy="1390400"/>
+          </a:xfrm>
+          <a:prstGeom prst="rect">
+            <a:avLst/>
+          </a:prstGeom>
+          <a:noFill/>
+          <a:extLst>
+            <a:ext uri="{909E8E84-426E-40DD-AFC4-6F175D3DCCD1}">
+              <a14:hiddenFill xmlns:a14="http://schemas.microsoft.com/office/drawing/2010/main">
+                <a:solidFill>
+                  <a:srgbClr val="FFFFFF"/>
+                </a:solidFill>
+              </a14:hiddenFill>
+            </a:ext>
+          </a:extLst>
+        </p:spPr>
+      </p:pic>
+      <p:sp>
+        <p:nvSpPr>
+          <p:cNvPr id="6" name="右矢印 5">
+            <a:extLst>
+              <a:ext uri="{FF2B5EF4-FFF2-40B4-BE49-F238E27FC236}">
+                <a16:creationId xmlns:a16="http://schemas.microsoft.com/office/drawing/2014/main" id="{19F9E07E-DF8D-4DE7-D48A-6F84EB19C41A}"/>
+              </a:ext>
+            </a:extLst>
+          </p:cNvPr>
+          <p:cNvSpPr/>
+          <p:nvPr/>
+        </p:nvSpPr>
+        <p:spPr>
+          <a:xfrm rot="16200000">
+            <a:off x="3910064" y="2405543"/>
+            <a:ext cx="689558" cy="556054"/>
+          </a:xfrm>
+          <a:prstGeom prst="rightArrow">
+            <a:avLst/>
+          </a:prstGeom>
+          <a:solidFill>
+            <a:srgbClr val="FF0000"/>
+          </a:solidFill>
+        </p:spPr>
+        <p:style>
+          <a:lnRef idx="2">
+            <a:schemeClr val="accent1">
+              <a:shade val="15000"/>
+            </a:schemeClr>
+          </a:lnRef>
+          <a:fillRef idx="1">
+            <a:schemeClr val="accent1"/>
+          </a:fillRef>
+          <a:effectRef idx="0">
+            <a:schemeClr val="accent1"/>
+          </a:effectRef>
+          <a:fontRef idx="minor">
+            <a:schemeClr val="lt1"/>
+          </a:fontRef>
+        </p:style>
+        <p:txBody>
+          <a:bodyPr rtlCol="0" anchor="ctr"/>
+          <a:lstStyle/>
+          <a:p>
+            <a:pPr algn="ctr"/>
+            <a:endParaRPr kumimoji="1" lang="ja-JP" altLang="en-US"/>
+          </a:p>
+        </p:txBody>
+      </p:sp>
+      <p:pic>
+        <p:nvPicPr>
+          <p:cNvPr id="7" name="Picture 6">
+            <a:extLst>
+              <a:ext uri="{FF2B5EF4-FFF2-40B4-BE49-F238E27FC236}">
+                <a16:creationId xmlns:a16="http://schemas.microsoft.com/office/drawing/2014/main" id="{4072C173-6450-EA4A-37F7-63FAFD4B561C}"/>
+              </a:ext>
+            </a:extLst>
+          </p:cNvPr>
+          <p:cNvPicPr>
+            <a:picLocks noChangeAspect="1" noChangeArrowheads="1"/>
+          </p:cNvPicPr>
+          <p:nvPr/>
+        </p:nvPicPr>
+        <p:blipFill>
+          <a:blip r:embed="rId4">
+            <a:extLst>
+              <a:ext uri="{28A0092B-C50C-407E-A947-70E740481C1C}">
+                <a14:useLocalDpi xmlns:a14="http://schemas.microsoft.com/office/drawing/2010/main" val="0"/>
+              </a:ext>
+            </a:extLst>
+          </a:blip>
+          <a:srcRect/>
+          <a:stretch>
+            <a:fillRect/>
+          </a:stretch>
+        </p:blipFill>
+        <p:spPr bwMode="auto">
+          <a:xfrm>
+            <a:off x="6418173" y="759015"/>
+            <a:ext cx="1390400" cy="1390400"/>
+          </a:xfrm>
+          <a:prstGeom prst="rect">
+            <a:avLst/>
+          </a:prstGeom>
+          <a:noFill/>
+          <a:extLst>
+            <a:ext uri="{909E8E84-426E-40DD-AFC4-6F175D3DCCD1}">
+              <a14:hiddenFill xmlns:a14="http://schemas.microsoft.com/office/drawing/2010/main">
+                <a:solidFill>
+                  <a:srgbClr val="FFFFFF"/>
+                </a:solidFill>
+              </a14:hiddenFill>
+            </a:ext>
+          </a:extLst>
+        </p:spPr>
+      </p:pic>
+      <p:sp>
+        <p:nvSpPr>
+          <p:cNvPr id="8" name="右矢印 7">
+            <a:extLst>
+              <a:ext uri="{FF2B5EF4-FFF2-40B4-BE49-F238E27FC236}">
+                <a16:creationId xmlns:a16="http://schemas.microsoft.com/office/drawing/2014/main" id="{25A37F90-21EA-5887-7F22-DCD4867D6FBC}"/>
+              </a:ext>
+            </a:extLst>
+          </p:cNvPr>
+          <p:cNvSpPr/>
+          <p:nvPr/>
+        </p:nvSpPr>
+        <p:spPr>
+          <a:xfrm rot="5400000">
+            <a:off x="6768594" y="2405543"/>
+            <a:ext cx="689558" cy="556054"/>
+          </a:xfrm>
+          <a:prstGeom prst="rightArrow">
+            <a:avLst/>
+          </a:prstGeom>
+          <a:solidFill>
+            <a:srgbClr val="FF0000"/>
+          </a:solidFill>
+        </p:spPr>
+        <p:style>
+          <a:lnRef idx="2">
+            <a:schemeClr val="accent1">
+              <a:shade val="15000"/>
+            </a:schemeClr>
+          </a:lnRef>
+          <a:fillRef idx="1">
+            <a:schemeClr val="accent1"/>
+          </a:fillRef>
+          <a:effectRef idx="0">
+            <a:schemeClr val="accent1"/>
+          </a:effectRef>
+          <a:fontRef idx="minor">
+            <a:schemeClr val="lt1"/>
+          </a:fontRef>
+        </p:style>
+        <p:txBody>
+          <a:bodyPr rtlCol="0" anchor="ctr"/>
+          <a:lstStyle/>
+          <a:p>
+            <a:pPr algn="ctr"/>
+            <a:endParaRPr kumimoji="1" lang="ja-JP" altLang="en-US"/>
+          </a:p>
+        </p:txBody>
+      </p:sp>
+      <p:pic>
+        <p:nvPicPr>
+          <p:cNvPr id="9" name="Picture 4" descr="人工知能・AIのイラスト">
+            <a:extLst>
+              <a:ext uri="{FF2B5EF4-FFF2-40B4-BE49-F238E27FC236}">
+                <a16:creationId xmlns:a16="http://schemas.microsoft.com/office/drawing/2014/main" id="{BE5B3F9D-098A-3961-C22F-578DE4A9AD9B}"/>
+              </a:ext>
+            </a:extLst>
+          </p:cNvPr>
+          <p:cNvPicPr>
+            <a:picLocks noChangeAspect="1" noChangeArrowheads="1"/>
+          </p:cNvPicPr>
+          <p:nvPr/>
+        </p:nvPicPr>
+        <p:blipFill>
+          <a:blip r:embed="rId3">
+            <a:extLst>
+              <a:ext uri="{28A0092B-C50C-407E-A947-70E740481C1C}">
+                <a14:useLocalDpi xmlns:a14="http://schemas.microsoft.com/office/drawing/2010/main" val="0"/>
+              </a:ext>
+            </a:extLst>
+          </a:blip>
+          <a:srcRect/>
+          <a:stretch>
+            <a:fillRect/>
+          </a:stretch>
+        </p:blipFill>
+        <p:spPr bwMode="auto">
+          <a:xfrm>
+            <a:off x="6145427" y="3021742"/>
+            <a:ext cx="1810633" cy="1579777"/>
+          </a:xfrm>
+          <a:prstGeom prst="rect">
+            <a:avLst/>
+          </a:prstGeom>
+          <a:noFill/>
+          <a:extLst>
+            <a:ext uri="{909E8E84-426E-40DD-AFC4-6F175D3DCCD1}">
+              <a14:hiddenFill xmlns:a14="http://schemas.microsoft.com/office/drawing/2010/main">
+                <a:solidFill>
+                  <a:srgbClr val="FFFFFF"/>
+                </a:solidFill>
+              </a14:hiddenFill>
+            </a:ext>
+          </a:extLst>
+        </p:spPr>
+      </p:pic>
+      <p:sp>
+        <p:nvSpPr>
+          <p:cNvPr id="10" name="右矢印 9">
+            <a:extLst>
+              <a:ext uri="{FF2B5EF4-FFF2-40B4-BE49-F238E27FC236}">
+                <a16:creationId xmlns:a16="http://schemas.microsoft.com/office/drawing/2014/main" id="{CB867DD2-8062-48E5-2B0F-94B21D844F24}"/>
+              </a:ext>
+            </a:extLst>
+          </p:cNvPr>
+          <p:cNvSpPr/>
+          <p:nvPr/>
+        </p:nvSpPr>
+        <p:spPr>
+          <a:xfrm>
+            <a:off x="8188876" y="3434492"/>
+            <a:ext cx="689558" cy="556054"/>
+          </a:xfrm>
+          <a:prstGeom prst="rightArrow">
+            <a:avLst/>
+          </a:prstGeom>
+          <a:solidFill>
+            <a:srgbClr val="FF0000"/>
+          </a:solidFill>
+        </p:spPr>
+        <p:style>
+          <a:lnRef idx="2">
+            <a:schemeClr val="accent1">
+              <a:shade val="15000"/>
+            </a:schemeClr>
+          </a:lnRef>
+          <a:fillRef idx="1">
+            <a:schemeClr val="accent1"/>
+          </a:fillRef>
+          <a:effectRef idx="0">
+            <a:schemeClr val="accent1"/>
+          </a:effectRef>
+          <a:fontRef idx="minor">
+            <a:schemeClr val="lt1"/>
+          </a:fontRef>
+        </p:style>
+        <p:txBody>
+          <a:bodyPr rtlCol="0" anchor="ctr"/>
+          <a:lstStyle/>
+          <a:p>
+            <a:pPr algn="ctr"/>
+            <a:endParaRPr kumimoji="1" lang="ja-JP" altLang="en-US"/>
+          </a:p>
+        </p:txBody>
+      </p:sp>
+      <p:pic>
+        <p:nvPicPr>
+          <p:cNvPr id="2056" name="Picture 8">
+            <a:extLst>
+              <a:ext uri="{FF2B5EF4-FFF2-40B4-BE49-F238E27FC236}">
+                <a16:creationId xmlns:a16="http://schemas.microsoft.com/office/drawing/2014/main" id="{A67999AE-7C45-AF07-3F83-AEF4A48709D1}"/>
+              </a:ext>
+            </a:extLst>
+          </p:cNvPr>
+          <p:cNvPicPr>
+            <a:picLocks noChangeAspect="1" noChangeArrowheads="1"/>
+          </p:cNvPicPr>
+          <p:nvPr/>
+        </p:nvPicPr>
+        <p:blipFill>
+          <a:blip r:embed="rId5">
+            <a:extLst>
+              <a:ext uri="{28A0092B-C50C-407E-A947-70E740481C1C}">
+                <a14:useLocalDpi xmlns:a14="http://schemas.microsoft.com/office/drawing/2010/main" val="0"/>
+              </a:ext>
+            </a:extLst>
+          </a:blip>
+          <a:srcRect/>
+          <a:stretch>
+            <a:fillRect/>
+          </a:stretch>
+        </p:blipFill>
+        <p:spPr bwMode="auto">
+          <a:xfrm>
+            <a:off x="9144097" y="2823519"/>
+            <a:ext cx="1834454" cy="1834454"/>
+          </a:xfrm>
+          <a:prstGeom prst="rect">
+            <a:avLst/>
+          </a:prstGeom>
+          <a:noFill/>
+          <a:extLst>
+            <a:ext uri="{909E8E84-426E-40DD-AFC4-6F175D3DCCD1}">
+              <a14:hiddenFill xmlns:a14="http://schemas.microsoft.com/office/drawing/2010/main">
+                <a:solidFill>
+                  <a:srgbClr val="FFFFFF"/>
+                </a:solidFill>
+              </a14:hiddenFill>
+            </a:ext>
+          </a:extLst>
+        </p:spPr>
+      </p:pic>
+      <p:sp>
+        <p:nvSpPr>
+          <p:cNvPr id="11" name="テキスト ボックス 10">
+            <a:extLst>
+              <a:ext uri="{FF2B5EF4-FFF2-40B4-BE49-F238E27FC236}">
+                <a16:creationId xmlns:a16="http://schemas.microsoft.com/office/drawing/2014/main" id="{A1F950DE-156D-D568-A549-44C261255F72}"/>
+              </a:ext>
+            </a:extLst>
+          </p:cNvPr>
+          <p:cNvSpPr txBox="1"/>
+          <p:nvPr/>
+        </p:nvSpPr>
+        <p:spPr>
+          <a:xfrm>
+            <a:off x="3700845" y="294995"/>
+            <a:ext cx="1107996" cy="369332"/>
+          </a:xfrm>
+          <a:prstGeom prst="rect">
+            <a:avLst/>
+          </a:prstGeom>
+          <a:noFill/>
+        </p:spPr>
+        <p:txBody>
+          <a:bodyPr wrap="none" rtlCol="0">
+            <a:spAutoFit/>
+          </a:bodyPr>
+          <a:lstStyle/>
+          <a:p>
+            <a:r>
+              <a:rPr lang="ja-JP" altLang="en-US"/>
+              <a:t>脳内情報</a:t>
+            </a:r>
+            <a:endParaRPr kumimoji="1" lang="en-US" altLang="ja-JP" dirty="0"/>
+          </a:p>
+        </p:txBody>
+      </p:sp>
+      <p:sp>
+        <p:nvSpPr>
+          <p:cNvPr id="12" name="テキスト ボックス 11">
+            <a:extLst>
+              <a:ext uri="{FF2B5EF4-FFF2-40B4-BE49-F238E27FC236}">
+                <a16:creationId xmlns:a16="http://schemas.microsoft.com/office/drawing/2014/main" id="{3D25F8E0-227C-3677-AE9C-3BEF98490787}"/>
+              </a:ext>
+            </a:extLst>
+          </p:cNvPr>
+          <p:cNvSpPr txBox="1"/>
+          <p:nvPr/>
+        </p:nvSpPr>
+        <p:spPr>
+          <a:xfrm>
+            <a:off x="6559375" y="320890"/>
+            <a:ext cx="1107996" cy="369332"/>
+          </a:xfrm>
+          <a:prstGeom prst="rect">
+            <a:avLst/>
+          </a:prstGeom>
+          <a:noFill/>
+        </p:spPr>
+        <p:txBody>
+          <a:bodyPr wrap="square" rtlCol="0">
+            <a:spAutoFit/>
+          </a:bodyPr>
+          <a:lstStyle/>
+          <a:p>
+            <a:r>
+              <a:rPr lang="ja-JP" altLang="en-US"/>
+              <a:t>脳内情報</a:t>
+            </a:r>
+            <a:endParaRPr kumimoji="1" lang="en-US" altLang="ja-JP" dirty="0"/>
+          </a:p>
+        </p:txBody>
+      </p:sp>
+      <p:sp>
+        <p:nvSpPr>
+          <p:cNvPr id="13" name="テキスト ボックス 12">
+            <a:extLst>
+              <a:ext uri="{FF2B5EF4-FFF2-40B4-BE49-F238E27FC236}">
+                <a16:creationId xmlns:a16="http://schemas.microsoft.com/office/drawing/2014/main" id="{8BCB042B-0C1A-216E-AB71-676FA2FF8F4E}"/>
+              </a:ext>
+            </a:extLst>
+          </p:cNvPr>
+          <p:cNvSpPr txBox="1"/>
+          <p:nvPr/>
+        </p:nvSpPr>
+        <p:spPr>
+          <a:xfrm>
+            <a:off x="4526838" y="2497232"/>
+            <a:ext cx="1107996" cy="369332"/>
+          </a:xfrm>
+          <a:prstGeom prst="rect">
+            <a:avLst/>
+          </a:prstGeom>
+          <a:noFill/>
+        </p:spPr>
+        <p:txBody>
+          <a:bodyPr wrap="none" rtlCol="0">
+            <a:spAutoFit/>
+          </a:bodyPr>
+          <a:lstStyle/>
+          <a:p>
+            <a:r>
+              <a:rPr kumimoji="1" lang="ja-JP" altLang="en-US"/>
+              <a:t>情報圧縮</a:t>
+            </a:r>
+            <a:endParaRPr kumimoji="1" lang="en-US" altLang="ja-JP" dirty="0"/>
+          </a:p>
+        </p:txBody>
+      </p:sp>
+      <p:sp>
+        <p:nvSpPr>
+          <p:cNvPr id="14" name="テキスト ボックス 13">
+            <a:extLst>
+              <a:ext uri="{FF2B5EF4-FFF2-40B4-BE49-F238E27FC236}">
+                <a16:creationId xmlns:a16="http://schemas.microsoft.com/office/drawing/2014/main" id="{D7695442-FBD9-23EE-D0F3-D268B959CB9A}"/>
+              </a:ext>
+            </a:extLst>
+          </p:cNvPr>
+          <p:cNvSpPr txBox="1"/>
+          <p:nvPr/>
+        </p:nvSpPr>
+        <p:spPr>
+          <a:xfrm>
+            <a:off x="7379335" y="2495601"/>
+            <a:ext cx="1107996" cy="369332"/>
+          </a:xfrm>
+          <a:prstGeom prst="rect">
+            <a:avLst/>
+          </a:prstGeom>
+          <a:noFill/>
+        </p:spPr>
+        <p:txBody>
+          <a:bodyPr wrap="none" rtlCol="0">
+            <a:spAutoFit/>
+          </a:bodyPr>
+          <a:lstStyle/>
+          <a:p>
+            <a:r>
+              <a:rPr kumimoji="1" lang="ja-JP" altLang="en-US"/>
+              <a:t>情報復元</a:t>
+            </a:r>
+            <a:endParaRPr kumimoji="1" lang="en-US" altLang="ja-JP" dirty="0"/>
+          </a:p>
+        </p:txBody>
+      </p:sp>
+    </p:spTree>
+    <p:extLst>
+      <p:ext uri="{BB962C8B-B14F-4D97-AF65-F5344CB8AC3E}">
+        <p14:creationId xmlns:p14="http://schemas.microsoft.com/office/powerpoint/2010/main" val="3246178727"/>
       </p:ext>
     </p:extLst>
   </p:cSld>

--- a/notes/fig.pptx
+++ b/notes/fig.pptx
@@ -5,12 +5,14 @@
     <p:sldMasterId id="2147483648" r:id="rId1"/>
   </p:sldMasterIdLst>
   <p:notesMasterIdLst>
-    <p:notesMasterId r:id="rId5"/>
+    <p:notesMasterId r:id="rId7"/>
   </p:notesMasterIdLst>
   <p:sldIdLst>
     <p:sldId id="256" r:id="rId2"/>
     <p:sldId id="257" r:id="rId3"/>
     <p:sldId id="258" r:id="rId4"/>
+    <p:sldId id="259" r:id="rId5"/>
+    <p:sldId id="260" r:id="rId6"/>
   </p:sldIdLst>
   <p:sldSz cx="12192000" cy="6858000"/>
   <p:notesSz cx="6858000" cy="9144000"/>
@@ -4853,7 +4855,7 @@
         </p:blipFill>
         <p:spPr bwMode="auto">
           <a:xfrm>
-            <a:off x="586259" y="2823519"/>
+            <a:off x="581663" y="3079007"/>
             <a:ext cx="1778000" cy="1778000"/>
           </a:xfrm>
           <a:prstGeom prst="rect">
@@ -4900,7 +4902,7 @@
         </p:blipFill>
         <p:spPr bwMode="auto">
           <a:xfrm>
-            <a:off x="3412420" y="3028349"/>
+            <a:off x="3412420" y="3178119"/>
             <a:ext cx="1810633" cy="1579777"/>
           </a:xfrm>
           <a:prstGeom prst="rect">
@@ -4932,7 +4934,7 @@
         </p:nvSpPr>
         <p:spPr>
           <a:xfrm>
-            <a:off x="2634674" y="3540211"/>
+            <a:off x="2634674" y="3689980"/>
             <a:ext cx="689558" cy="556054"/>
           </a:xfrm>
           <a:prstGeom prst="rightArrow">
@@ -5188,7 +5190,7 @@
         </p:blipFill>
         <p:spPr bwMode="auto">
           <a:xfrm>
-            <a:off x="6145427" y="3021742"/>
+            <a:off x="6145427" y="3178119"/>
             <a:ext cx="1810633" cy="1579777"/>
           </a:xfrm>
           <a:prstGeom prst="rect">
@@ -5220,7 +5222,7 @@
         </p:nvSpPr>
         <p:spPr>
           <a:xfrm>
-            <a:off x="8188876" y="3434492"/>
+            <a:off x="8188876" y="3689980"/>
             <a:ext cx="689558" cy="556054"/>
           </a:xfrm>
           <a:prstGeom prst="rightArrow">
@@ -5284,8 +5286,8 @@
         </p:blipFill>
         <p:spPr bwMode="auto">
           <a:xfrm>
-            <a:off x="9144097" y="2823519"/>
-            <a:ext cx="1834454" cy="1834454"/>
+            <a:off x="9144097" y="3079007"/>
+            <a:ext cx="1778000" cy="1778000"/>
           </a:xfrm>
           <a:prstGeom prst="rect">
             <a:avLst/>
@@ -5450,6 +5452,696 @@
     <p:extLst>
       <p:ext uri="{BB962C8B-B14F-4D97-AF65-F5344CB8AC3E}">
         <p14:creationId xmlns:p14="http://schemas.microsoft.com/office/powerpoint/2010/main" val="3246178727"/>
+      </p:ext>
+    </p:extLst>
+  </p:cSld>
+  <p:clrMapOvr>
+    <a:masterClrMapping/>
+  </p:clrMapOvr>
+</p:sld>
+</file>
+
+<file path=ppt/slides/slide4.xml><?xml version="1.0" encoding="utf-8"?>
+<p:sld xmlns:a="http://schemas.openxmlformats.org/drawingml/2006/main" xmlns:r="http://schemas.openxmlformats.org/officeDocument/2006/relationships" xmlns:p="http://schemas.openxmlformats.org/presentationml/2006/main">
+  <p:cSld>
+    <p:spTree>
+      <p:nvGrpSpPr>
+        <p:cNvPr id="1" name="">
+          <a:extLst>
+            <a:ext uri="{FF2B5EF4-FFF2-40B4-BE49-F238E27FC236}">
+              <a16:creationId xmlns:a16="http://schemas.microsoft.com/office/drawing/2014/main" id="{520D2CF6-01D6-5976-9F5B-71CD334D3A7C}"/>
+            </a:ext>
+          </a:extLst>
+        </p:cNvPr>
+        <p:cNvGrpSpPr/>
+        <p:nvPr/>
+      </p:nvGrpSpPr>
+      <p:grpSpPr>
+        <a:xfrm>
+          <a:off x="0" y="0"/>
+          <a:ext cx="0" cy="0"/>
+          <a:chOff x="0" y="0"/>
+          <a:chExt cx="0" cy="0"/>
+        </a:xfrm>
+      </p:grpSpPr>
+      <p:sp>
+        <p:nvSpPr>
+          <p:cNvPr id="5" name="右矢印 4">
+            <a:extLst>
+              <a:ext uri="{FF2B5EF4-FFF2-40B4-BE49-F238E27FC236}">
+                <a16:creationId xmlns:a16="http://schemas.microsoft.com/office/drawing/2014/main" id="{8CA4063A-4EB3-143F-55FE-FE045DD7E717}"/>
+              </a:ext>
+            </a:extLst>
+          </p:cNvPr>
+          <p:cNvSpPr/>
+          <p:nvPr/>
+        </p:nvSpPr>
+        <p:spPr>
+          <a:xfrm>
+            <a:off x="2634674" y="3689980"/>
+            <a:ext cx="689558" cy="556054"/>
+          </a:xfrm>
+          <a:prstGeom prst="rightArrow">
+            <a:avLst/>
+          </a:prstGeom>
+          <a:solidFill>
+            <a:srgbClr val="FF0000"/>
+          </a:solidFill>
+        </p:spPr>
+        <p:style>
+          <a:lnRef idx="2">
+            <a:schemeClr val="accent1">
+              <a:shade val="15000"/>
+            </a:schemeClr>
+          </a:lnRef>
+          <a:fillRef idx="1">
+            <a:schemeClr val="accent1"/>
+          </a:fillRef>
+          <a:effectRef idx="0">
+            <a:schemeClr val="accent1"/>
+          </a:effectRef>
+          <a:fontRef idx="minor">
+            <a:schemeClr val="lt1"/>
+          </a:fontRef>
+        </p:style>
+        <p:txBody>
+          <a:bodyPr rtlCol="0" anchor="ctr"/>
+          <a:lstStyle/>
+          <a:p>
+            <a:pPr algn="ctr"/>
+            <a:endParaRPr kumimoji="1" lang="ja-JP" altLang="en-US"/>
+          </a:p>
+        </p:txBody>
+      </p:sp>
+      <p:sp>
+        <p:nvSpPr>
+          <p:cNvPr id="10" name="右矢印 9">
+            <a:extLst>
+              <a:ext uri="{FF2B5EF4-FFF2-40B4-BE49-F238E27FC236}">
+                <a16:creationId xmlns:a16="http://schemas.microsoft.com/office/drawing/2014/main" id="{06C0AC5A-2E98-3E27-292D-07B71E2B704C}"/>
+              </a:ext>
+            </a:extLst>
+          </p:cNvPr>
+          <p:cNvSpPr/>
+          <p:nvPr/>
+        </p:nvSpPr>
+        <p:spPr>
+          <a:xfrm>
+            <a:off x="5836878" y="3653711"/>
+            <a:ext cx="689558" cy="556054"/>
+          </a:xfrm>
+          <a:prstGeom prst="rightArrow">
+            <a:avLst/>
+          </a:prstGeom>
+          <a:solidFill>
+            <a:srgbClr val="FF0000"/>
+          </a:solidFill>
+        </p:spPr>
+        <p:style>
+          <a:lnRef idx="2">
+            <a:schemeClr val="accent1">
+              <a:shade val="15000"/>
+            </a:schemeClr>
+          </a:lnRef>
+          <a:fillRef idx="1">
+            <a:schemeClr val="accent1"/>
+          </a:fillRef>
+          <a:effectRef idx="0">
+            <a:schemeClr val="accent1"/>
+          </a:effectRef>
+          <a:fontRef idx="minor">
+            <a:schemeClr val="lt1"/>
+          </a:fontRef>
+        </p:style>
+        <p:txBody>
+          <a:bodyPr rtlCol="0" anchor="ctr"/>
+          <a:lstStyle/>
+          <a:p>
+            <a:pPr algn="ctr"/>
+            <a:endParaRPr kumimoji="1" lang="ja-JP" altLang="en-US"/>
+          </a:p>
+        </p:txBody>
+      </p:sp>
+      <p:pic>
+        <p:nvPicPr>
+          <p:cNvPr id="2056" name="Picture 8">
+            <a:extLst>
+              <a:ext uri="{FF2B5EF4-FFF2-40B4-BE49-F238E27FC236}">
+                <a16:creationId xmlns:a16="http://schemas.microsoft.com/office/drawing/2014/main" id="{916CF05E-B0B0-6742-83C8-A241808ABFAC}"/>
+              </a:ext>
+            </a:extLst>
+          </p:cNvPr>
+          <p:cNvPicPr>
+            <a:picLocks noChangeAspect="1" noChangeArrowheads="1"/>
+          </p:cNvPicPr>
+          <p:nvPr/>
+        </p:nvPicPr>
+        <p:blipFill>
+          <a:blip r:embed="rId2">
+            <a:extLst>
+              <a:ext uri="{28A0092B-C50C-407E-A947-70E740481C1C}">
+                <a14:useLocalDpi xmlns:a14="http://schemas.microsoft.com/office/drawing/2010/main" val="0"/>
+              </a:ext>
+            </a:extLst>
+          </a:blip>
+          <a:srcRect/>
+          <a:stretch>
+            <a:fillRect/>
+          </a:stretch>
+        </p:blipFill>
+        <p:spPr bwMode="auto">
+          <a:xfrm>
+            <a:off x="6792099" y="3042738"/>
+            <a:ext cx="1778000" cy="1778000"/>
+          </a:xfrm>
+          <a:prstGeom prst="rect">
+            <a:avLst/>
+          </a:prstGeom>
+          <a:noFill/>
+          <a:extLst>
+            <a:ext uri="{909E8E84-426E-40DD-AFC4-6F175D3DCCD1}">
+              <a14:hiddenFill xmlns:a14="http://schemas.microsoft.com/office/drawing/2010/main">
+                <a:solidFill>
+                  <a:srgbClr val="FFFFFF"/>
+                </a:solidFill>
+              </a14:hiddenFill>
+            </a:ext>
+          </a:extLst>
+        </p:spPr>
+      </p:pic>
+      <p:pic>
+        <p:nvPicPr>
+          <p:cNvPr id="3074" name="Picture 2">
+            <a:extLst>
+              <a:ext uri="{FF2B5EF4-FFF2-40B4-BE49-F238E27FC236}">
+                <a16:creationId xmlns:a16="http://schemas.microsoft.com/office/drawing/2014/main" id="{0F7913AB-5028-53FC-7016-D5F3280AD600}"/>
+              </a:ext>
+            </a:extLst>
+          </p:cNvPr>
+          <p:cNvPicPr>
+            <a:picLocks noChangeAspect="1" noChangeArrowheads="1"/>
+          </p:cNvPicPr>
+          <p:nvPr/>
+        </p:nvPicPr>
+        <p:blipFill>
+          <a:blip r:embed="rId3">
+            <a:extLst>
+              <a:ext uri="{28A0092B-C50C-407E-A947-70E740481C1C}">
+                <a14:useLocalDpi xmlns:a14="http://schemas.microsoft.com/office/drawing/2010/main" val="0"/>
+              </a:ext>
+            </a:extLst>
+          </a:blip>
+          <a:srcRect/>
+          <a:stretch>
+            <a:fillRect/>
+          </a:stretch>
+        </p:blipFill>
+        <p:spPr bwMode="auto">
+          <a:xfrm>
+            <a:off x="557637" y="2997457"/>
+            <a:ext cx="1778000" cy="1778000"/>
+          </a:xfrm>
+          <a:prstGeom prst="rect">
+            <a:avLst/>
+          </a:prstGeom>
+          <a:noFill/>
+          <a:extLst>
+            <a:ext uri="{909E8E84-426E-40DD-AFC4-6F175D3DCCD1}">
+              <a14:hiddenFill xmlns:a14="http://schemas.microsoft.com/office/drawing/2010/main">
+                <a:solidFill>
+                  <a:srgbClr val="FFFFFF"/>
+                </a:solidFill>
+              </a14:hiddenFill>
+            </a:ext>
+          </a:extLst>
+        </p:spPr>
+      </p:pic>
+      <p:pic>
+        <p:nvPicPr>
+          <p:cNvPr id="3078" name="Picture 6">
+            <a:extLst>
+              <a:ext uri="{FF2B5EF4-FFF2-40B4-BE49-F238E27FC236}">
+                <a16:creationId xmlns:a16="http://schemas.microsoft.com/office/drawing/2014/main" id="{32A04A53-CE42-F621-53B2-A3514C41004E}"/>
+              </a:ext>
+            </a:extLst>
+          </p:cNvPr>
+          <p:cNvPicPr>
+            <a:picLocks noChangeAspect="1" noChangeArrowheads="1"/>
+          </p:cNvPicPr>
+          <p:nvPr/>
+        </p:nvPicPr>
+        <p:blipFill>
+          <a:blip r:embed="rId4">
+            <a:extLst>
+              <a:ext uri="{28A0092B-C50C-407E-A947-70E740481C1C}">
+                <a14:useLocalDpi xmlns:a14="http://schemas.microsoft.com/office/drawing/2010/main" val="0"/>
+              </a:ext>
+            </a:extLst>
+          </a:blip>
+          <a:srcRect/>
+          <a:stretch>
+            <a:fillRect/>
+          </a:stretch>
+        </p:blipFill>
+        <p:spPr bwMode="auto">
+          <a:xfrm>
+            <a:off x="6792099" y="3042738"/>
+            <a:ext cx="1778000" cy="1778000"/>
+          </a:xfrm>
+          <a:prstGeom prst="rect">
+            <a:avLst/>
+          </a:prstGeom>
+          <a:noFill/>
+          <a:extLst>
+            <a:ext uri="{909E8E84-426E-40DD-AFC4-6F175D3DCCD1}">
+              <a14:hiddenFill xmlns:a14="http://schemas.microsoft.com/office/drawing/2010/main">
+                <a:solidFill>
+                  <a:srgbClr val="FFFFFF"/>
+                </a:solidFill>
+              </a14:hiddenFill>
+            </a:ext>
+          </a:extLst>
+        </p:spPr>
+      </p:pic>
+      <p:pic>
+        <p:nvPicPr>
+          <p:cNvPr id="3080" name="Picture 8" descr="文章を書く人工知能のイラスト">
+            <a:extLst>
+              <a:ext uri="{FF2B5EF4-FFF2-40B4-BE49-F238E27FC236}">
+                <a16:creationId xmlns:a16="http://schemas.microsoft.com/office/drawing/2014/main" id="{AE05B215-2DE6-FE8F-D165-CCB3FA7740B4}"/>
+              </a:ext>
+            </a:extLst>
+          </p:cNvPr>
+          <p:cNvPicPr>
+            <a:picLocks noChangeAspect="1" noChangeArrowheads="1"/>
+          </p:cNvPicPr>
+          <p:nvPr/>
+        </p:nvPicPr>
+        <p:blipFill>
+          <a:blip r:embed="rId5">
+            <a:extLst>
+              <a:ext uri="{28A0092B-C50C-407E-A947-70E740481C1C}">
+                <a14:useLocalDpi xmlns:a14="http://schemas.microsoft.com/office/drawing/2010/main" val="0"/>
+              </a:ext>
+            </a:extLst>
+          </a:blip>
+          <a:srcRect/>
+          <a:stretch>
+            <a:fillRect/>
+          </a:stretch>
+        </p:blipFill>
+        <p:spPr bwMode="auto">
+          <a:xfrm>
+            <a:off x="3501081" y="2747205"/>
+            <a:ext cx="1898822" cy="2109802"/>
+          </a:xfrm>
+          <a:prstGeom prst="rect">
+            <a:avLst/>
+          </a:prstGeom>
+          <a:noFill/>
+          <a:extLst>
+            <a:ext uri="{909E8E84-426E-40DD-AFC4-6F175D3DCCD1}">
+              <a14:hiddenFill xmlns:a14="http://schemas.microsoft.com/office/drawing/2010/main">
+                <a:solidFill>
+                  <a:srgbClr val="FFFFFF"/>
+                </a:solidFill>
+              </a14:hiddenFill>
+            </a:ext>
+          </a:extLst>
+        </p:spPr>
+      </p:pic>
+      <p:sp>
+        <p:nvSpPr>
+          <p:cNvPr id="3" name="雲 2">
+            <a:extLst>
+              <a:ext uri="{FF2B5EF4-FFF2-40B4-BE49-F238E27FC236}">
+                <a16:creationId xmlns:a16="http://schemas.microsoft.com/office/drawing/2014/main" id="{923CE566-9F77-2FC9-B0EB-CF867A4D0057}"/>
+              </a:ext>
+            </a:extLst>
+          </p:cNvPr>
+          <p:cNvSpPr/>
+          <p:nvPr/>
+        </p:nvSpPr>
+        <p:spPr>
+          <a:xfrm>
+            <a:off x="5014575" y="1148878"/>
+            <a:ext cx="1504950" cy="1504949"/>
+          </a:xfrm>
+          <a:prstGeom prst="cloud">
+            <a:avLst/>
+          </a:prstGeom>
+          <a:noFill/>
+          <a:ln>
+            <a:solidFill>
+              <a:schemeClr val="tx1"/>
+            </a:solidFill>
+          </a:ln>
+        </p:spPr>
+        <p:style>
+          <a:lnRef idx="2">
+            <a:schemeClr val="accent1">
+              <a:shade val="15000"/>
+            </a:schemeClr>
+          </a:lnRef>
+          <a:fillRef idx="1">
+            <a:schemeClr val="accent1"/>
+          </a:fillRef>
+          <a:effectRef idx="0">
+            <a:schemeClr val="accent1"/>
+          </a:effectRef>
+          <a:fontRef idx="minor">
+            <a:schemeClr val="lt1"/>
+          </a:fontRef>
+        </p:style>
+        <p:txBody>
+          <a:bodyPr rtlCol="0" anchor="ctr"/>
+          <a:lstStyle/>
+          <a:p>
+            <a:pPr algn="ctr"/>
+            <a:endParaRPr kumimoji="1" lang="ja-JP" altLang="en-US"/>
+          </a:p>
+        </p:txBody>
+      </p:sp>
+      <p:pic>
+        <p:nvPicPr>
+          <p:cNvPr id="3082" name="Picture 10" descr="はてなマーク・クエスチョンマーク">
+            <a:extLst>
+              <a:ext uri="{FF2B5EF4-FFF2-40B4-BE49-F238E27FC236}">
+                <a16:creationId xmlns:a16="http://schemas.microsoft.com/office/drawing/2014/main" id="{D98A0FFE-0E35-1237-FB3A-762FBCE7F715}"/>
+              </a:ext>
+            </a:extLst>
+          </p:cNvPr>
+          <p:cNvPicPr>
+            <a:picLocks noChangeAspect="1" noChangeArrowheads="1"/>
+          </p:cNvPicPr>
+          <p:nvPr/>
+        </p:nvPicPr>
+        <p:blipFill>
+          <a:blip r:embed="rId6">
+            <a:extLst>
+              <a:ext uri="{28A0092B-C50C-407E-A947-70E740481C1C}">
+                <a14:useLocalDpi xmlns:a14="http://schemas.microsoft.com/office/drawing/2010/main" val="0"/>
+              </a:ext>
+            </a:extLst>
+          </a:blip>
+          <a:srcRect/>
+          <a:stretch>
+            <a:fillRect/>
+          </a:stretch>
+        </p:blipFill>
+        <p:spPr bwMode="auto">
+          <a:xfrm rot="1800000">
+            <a:off x="5271858" y="1313041"/>
+            <a:ext cx="996950" cy="1270000"/>
+          </a:xfrm>
+          <a:prstGeom prst="rect">
+            <a:avLst/>
+          </a:prstGeom>
+          <a:noFill/>
+          <a:extLst>
+            <a:ext uri="{909E8E84-426E-40DD-AFC4-6F175D3DCCD1}">
+              <a14:hiddenFill xmlns:a14="http://schemas.microsoft.com/office/drawing/2010/main">
+                <a:solidFill>
+                  <a:srgbClr val="FFFFFF"/>
+                </a:solidFill>
+              </a14:hiddenFill>
+            </a:ext>
+          </a:extLst>
+        </p:spPr>
+      </p:pic>
+    </p:spTree>
+    <p:extLst>
+      <p:ext uri="{BB962C8B-B14F-4D97-AF65-F5344CB8AC3E}">
+        <p14:creationId xmlns:p14="http://schemas.microsoft.com/office/powerpoint/2010/main" val="2806784740"/>
+      </p:ext>
+    </p:extLst>
+  </p:cSld>
+  <p:clrMapOvr>
+    <a:masterClrMapping/>
+  </p:clrMapOvr>
+</p:sld>
+</file>
+
+<file path=ppt/slides/slide5.xml><?xml version="1.0" encoding="utf-8"?>
+<p:sld xmlns:a="http://schemas.openxmlformats.org/drawingml/2006/main" xmlns:r="http://schemas.openxmlformats.org/officeDocument/2006/relationships" xmlns:p="http://schemas.openxmlformats.org/presentationml/2006/main">
+  <p:cSld>
+    <p:spTree>
+      <p:nvGrpSpPr>
+        <p:cNvPr id="1" name=""/>
+        <p:cNvGrpSpPr/>
+        <p:nvPr/>
+      </p:nvGrpSpPr>
+      <p:grpSpPr>
+        <a:xfrm>
+          <a:off x="0" y="0"/>
+          <a:ext cx="0" cy="0"/>
+          <a:chOff x="0" y="0"/>
+          <a:chExt cx="0" cy="0"/>
+        </a:xfrm>
+      </p:grpSpPr>
+      <p:pic>
+        <p:nvPicPr>
+          <p:cNvPr id="4098" name="Picture 2">
+            <a:extLst>
+              <a:ext uri="{FF2B5EF4-FFF2-40B4-BE49-F238E27FC236}">
+                <a16:creationId xmlns:a16="http://schemas.microsoft.com/office/drawing/2014/main" id="{912426DE-8091-B71A-101E-0AD18D4AEE3D}"/>
+              </a:ext>
+            </a:extLst>
+          </p:cNvPr>
+          <p:cNvPicPr>
+            <a:picLocks noChangeAspect="1" noChangeArrowheads="1"/>
+          </p:cNvPicPr>
+          <p:nvPr/>
+        </p:nvPicPr>
+        <p:blipFill>
+          <a:blip r:embed="rId2">
+            <a:extLst>
+              <a:ext uri="{28A0092B-C50C-407E-A947-70E740481C1C}">
+                <a14:useLocalDpi xmlns:a14="http://schemas.microsoft.com/office/drawing/2010/main" val="0"/>
+              </a:ext>
+            </a:extLst>
+          </a:blip>
+          <a:srcRect/>
+          <a:stretch>
+            <a:fillRect/>
+          </a:stretch>
+        </p:blipFill>
+        <p:spPr bwMode="auto">
+          <a:xfrm>
+            <a:off x="4742844" y="944802"/>
+            <a:ext cx="1383957" cy="1383957"/>
+          </a:xfrm>
+          <a:prstGeom prst="rect">
+            <a:avLst/>
+          </a:prstGeom>
+          <a:noFill/>
+          <a:extLst>
+            <a:ext uri="{909E8E84-426E-40DD-AFC4-6F175D3DCCD1}">
+              <a14:hiddenFill xmlns:a14="http://schemas.microsoft.com/office/drawing/2010/main">
+                <a:solidFill>
+                  <a:srgbClr val="FFFFFF"/>
+                </a:solidFill>
+              </a14:hiddenFill>
+            </a:ext>
+          </a:extLst>
+        </p:spPr>
+      </p:pic>
+      <p:pic>
+        <p:nvPicPr>
+          <p:cNvPr id="4100" name="Picture 4" descr="水槽の脳のイラスト（電極付き）">
+            <a:extLst>
+              <a:ext uri="{FF2B5EF4-FFF2-40B4-BE49-F238E27FC236}">
+                <a16:creationId xmlns:a16="http://schemas.microsoft.com/office/drawing/2014/main" id="{91F0C58B-2CF2-5B25-AB27-7D191E7D9C7B}"/>
+              </a:ext>
+            </a:extLst>
+          </p:cNvPr>
+          <p:cNvPicPr>
+            <a:picLocks noChangeAspect="1" noChangeArrowheads="1"/>
+          </p:cNvPicPr>
+          <p:nvPr/>
+        </p:nvPicPr>
+        <p:blipFill>
+          <a:blip r:embed="rId3">
+            <a:extLst>
+              <a:ext uri="{28A0092B-C50C-407E-A947-70E740481C1C}">
+                <a14:useLocalDpi xmlns:a14="http://schemas.microsoft.com/office/drawing/2010/main" val="0"/>
+              </a:ext>
+            </a:extLst>
+          </a:blip>
+          <a:srcRect/>
+          <a:stretch>
+            <a:fillRect/>
+          </a:stretch>
+        </p:blipFill>
+        <p:spPr bwMode="auto">
+          <a:xfrm>
+            <a:off x="4654035" y="3256005"/>
+            <a:ext cx="1561579" cy="1848022"/>
+          </a:xfrm>
+          <a:prstGeom prst="rect">
+            <a:avLst/>
+          </a:prstGeom>
+          <a:noFill/>
+          <a:extLst>
+            <a:ext uri="{909E8E84-426E-40DD-AFC4-6F175D3DCCD1}">
+              <a14:hiddenFill xmlns:a14="http://schemas.microsoft.com/office/drawing/2010/main">
+                <a:solidFill>
+                  <a:srgbClr val="FFFFFF"/>
+                </a:solidFill>
+              </a14:hiddenFill>
+            </a:ext>
+          </a:extLst>
+        </p:spPr>
+      </p:pic>
+      <p:sp>
+        <p:nvSpPr>
+          <p:cNvPr id="4" name="右矢印 3">
+            <a:extLst>
+              <a:ext uri="{FF2B5EF4-FFF2-40B4-BE49-F238E27FC236}">
+                <a16:creationId xmlns:a16="http://schemas.microsoft.com/office/drawing/2014/main" id="{00846716-06A0-ED27-943C-980E9E61A2E7}"/>
+              </a:ext>
+            </a:extLst>
+          </p:cNvPr>
+          <p:cNvSpPr/>
+          <p:nvPr/>
+        </p:nvSpPr>
+        <p:spPr>
+          <a:xfrm>
+            <a:off x="6553570" y="3901989"/>
+            <a:ext cx="689558" cy="556054"/>
+          </a:xfrm>
+          <a:prstGeom prst="rightArrow">
+            <a:avLst/>
+          </a:prstGeom>
+          <a:solidFill>
+            <a:srgbClr val="FF0000"/>
+          </a:solidFill>
+        </p:spPr>
+        <p:style>
+          <a:lnRef idx="2">
+            <a:schemeClr val="accent1">
+              <a:shade val="15000"/>
+            </a:schemeClr>
+          </a:lnRef>
+          <a:fillRef idx="1">
+            <a:schemeClr val="accent1"/>
+          </a:fillRef>
+          <a:effectRef idx="0">
+            <a:schemeClr val="accent1"/>
+          </a:effectRef>
+          <a:fontRef idx="minor">
+            <a:schemeClr val="lt1"/>
+          </a:fontRef>
+        </p:style>
+        <p:txBody>
+          <a:bodyPr rtlCol="0" anchor="ctr"/>
+          <a:lstStyle/>
+          <a:p>
+            <a:pPr algn="ctr"/>
+            <a:endParaRPr kumimoji="1" lang="ja-JP" altLang="en-US"/>
+          </a:p>
+        </p:txBody>
+      </p:sp>
+      <p:sp>
+        <p:nvSpPr>
+          <p:cNvPr id="5" name="右矢印 4">
+            <a:extLst>
+              <a:ext uri="{FF2B5EF4-FFF2-40B4-BE49-F238E27FC236}">
+                <a16:creationId xmlns:a16="http://schemas.microsoft.com/office/drawing/2014/main" id="{3F438A94-2B44-BA6D-9DC5-E561E5DF813B}"/>
+              </a:ext>
+            </a:extLst>
+          </p:cNvPr>
+          <p:cNvSpPr/>
+          <p:nvPr/>
+        </p:nvSpPr>
+        <p:spPr>
+          <a:xfrm rot="5400000">
+            <a:off x="5090043" y="2514355"/>
+            <a:ext cx="689558" cy="556054"/>
+          </a:xfrm>
+          <a:prstGeom prst="rightArrow">
+            <a:avLst/>
+          </a:prstGeom>
+          <a:solidFill>
+            <a:srgbClr val="FF0000"/>
+          </a:solidFill>
+        </p:spPr>
+        <p:style>
+          <a:lnRef idx="2">
+            <a:schemeClr val="accent1">
+              <a:shade val="15000"/>
+            </a:schemeClr>
+          </a:lnRef>
+          <a:fillRef idx="1">
+            <a:schemeClr val="accent1"/>
+          </a:fillRef>
+          <a:effectRef idx="0">
+            <a:schemeClr val="accent1"/>
+          </a:effectRef>
+          <a:fontRef idx="minor">
+            <a:schemeClr val="lt1"/>
+          </a:fontRef>
+        </p:style>
+        <p:txBody>
+          <a:bodyPr rtlCol="0" anchor="ctr"/>
+          <a:lstStyle/>
+          <a:p>
+            <a:pPr algn="ctr"/>
+            <a:endParaRPr kumimoji="1" lang="ja-JP" altLang="en-US"/>
+          </a:p>
+        </p:txBody>
+      </p:sp>
+      <p:pic>
+        <p:nvPicPr>
+          <p:cNvPr id="4102" name="Picture 6">
+            <a:extLst>
+              <a:ext uri="{FF2B5EF4-FFF2-40B4-BE49-F238E27FC236}">
+                <a16:creationId xmlns:a16="http://schemas.microsoft.com/office/drawing/2014/main" id="{8D09055C-96B1-4E9E-D46E-B6AA99C968D6}"/>
+              </a:ext>
+            </a:extLst>
+          </p:cNvPr>
+          <p:cNvPicPr>
+            <a:picLocks noChangeAspect="1" noChangeArrowheads="1"/>
+          </p:cNvPicPr>
+          <p:nvPr/>
+        </p:nvPicPr>
+        <p:blipFill>
+          <a:blip r:embed="rId4">
+            <a:extLst>
+              <a:ext uri="{28A0092B-C50C-407E-A947-70E740481C1C}">
+                <a14:useLocalDpi xmlns:a14="http://schemas.microsoft.com/office/drawing/2010/main" val="0"/>
+              </a:ext>
+            </a:extLst>
+          </a:blip>
+          <a:srcRect/>
+          <a:stretch>
+            <a:fillRect/>
+          </a:stretch>
+        </p:blipFill>
+        <p:spPr bwMode="auto">
+          <a:xfrm>
+            <a:off x="7581084" y="3418703"/>
+            <a:ext cx="1685324" cy="1685324"/>
+          </a:xfrm>
+          <a:prstGeom prst="rect">
+            <a:avLst/>
+          </a:prstGeom>
+          <a:noFill/>
+          <a:extLst>
+            <a:ext uri="{909E8E84-426E-40DD-AFC4-6F175D3DCCD1}">
+              <a14:hiddenFill xmlns:a14="http://schemas.microsoft.com/office/drawing/2010/main">
+                <a:solidFill>
+                  <a:srgbClr val="FFFFFF"/>
+                </a:solidFill>
+              </a14:hiddenFill>
+            </a:ext>
+          </a:extLst>
+        </p:spPr>
+      </p:pic>
+    </p:spTree>
+    <p:extLst>
+      <p:ext uri="{BB962C8B-B14F-4D97-AF65-F5344CB8AC3E}">
+        <p14:creationId xmlns:p14="http://schemas.microsoft.com/office/powerpoint/2010/main" val="2628491403"/>
       </p:ext>
     </p:extLst>
   </p:cSld>
